--- a/COMERCIO ELECTRONICO/Exposicion 2/Red Multimedia(Twitch).pptx
+++ b/COMERCIO ELECTRONICO/Exposicion 2/Red Multimedia(Twitch).pptx
@@ -1035,18 +1035,34 @@
         <a:p>
           <a:pPr algn="ctr"/>
           <a:r>
-            <a:rPr lang="es-ES" sz="1600" b="0" i="0" dirty="0" smtClean="0"/>
+            <a:rPr lang="es-ES" sz="1600" b="0" i="0" dirty="0" smtClean="0">
+              <a:solidFill>
+                <a:schemeClr val="tx1"/>
+              </a:solidFill>
+            </a:rPr>
             <a:t>Fue lanzado oficialmente como un beta público el 6 de junio del 2011.​ Desde entonces, </a:t>
           </a:r>
           <a:r>
-            <a:rPr lang="es-ES" sz="1600" b="0" i="0" dirty="0" err="1" smtClean="0"/>
+            <a:rPr lang="es-ES" sz="1600" b="0" i="0" dirty="0" err="1" smtClean="0">
+              <a:solidFill>
+                <a:schemeClr val="tx1"/>
+              </a:solidFill>
+            </a:rPr>
             <a:t>Twitch</a:t>
           </a:r>
           <a:r>
-            <a:rPr lang="es-ES" sz="1600" b="0" i="0" dirty="0" smtClean="0"/>
+            <a:rPr lang="es-ES" sz="1600" b="0" i="0" dirty="0" smtClean="0">
+              <a:solidFill>
+                <a:schemeClr val="tx1"/>
+              </a:solidFill>
+            </a:rPr>
             <a:t> ha atraído a más de 35 millones de visitantes por mes.</a:t>
           </a:r>
-          <a:endParaRPr lang="es-ES" sz="1600" dirty="0"/>
+          <a:endParaRPr lang="es-ES" sz="1600" dirty="0">
+            <a:solidFill>
+              <a:schemeClr val="tx1"/>
+            </a:solidFill>
+          </a:endParaRPr>
         </a:p>
       </dgm:t>
     </dgm:pt>
@@ -1080,34 +1096,66 @@
         <a:lstStyle/>
         <a:p>
           <a:r>
-            <a:rPr lang="es-ES" sz="1600" b="0" i="0" dirty="0" smtClean="0"/>
+            <a:rPr lang="es-ES" sz="1600" b="0" i="0" dirty="0" smtClean="0">
+              <a:solidFill>
+                <a:schemeClr val="tx1"/>
+              </a:solidFill>
+            </a:rPr>
             <a:t>El 10 de febrero del 2014, la compañía matriz de </a:t>
           </a:r>
           <a:r>
-            <a:rPr lang="es-ES" sz="1600" b="0" i="0" dirty="0" err="1" smtClean="0"/>
+            <a:rPr lang="es-ES" sz="1600" b="0" i="0" dirty="0" err="1" smtClean="0">
+              <a:solidFill>
+                <a:schemeClr val="tx1"/>
+              </a:solidFill>
+            </a:rPr>
             <a:t>Twitch</a:t>
           </a:r>
           <a:r>
-            <a:rPr lang="es-ES" sz="1600" b="0" i="0" dirty="0" smtClean="0"/>
+            <a:rPr lang="es-ES" sz="1600" b="0" i="0" dirty="0" smtClean="0">
+              <a:solidFill>
+                <a:schemeClr val="tx1"/>
+              </a:solidFill>
+            </a:rPr>
             <a:t>; Justin.tv, Inc. fue renombrada como </a:t>
           </a:r>
           <a:r>
-            <a:rPr lang="es-ES" sz="1600" b="1" i="0" dirty="0" err="1" smtClean="0"/>
+            <a:rPr lang="es-ES" sz="1600" b="1" i="0" dirty="0" err="1" smtClean="0">
+              <a:solidFill>
+                <a:schemeClr val="tx1"/>
+              </a:solidFill>
+            </a:rPr>
             <a:t>Twitch</a:t>
           </a:r>
           <a:r>
-            <a:rPr lang="es-ES" sz="1600" b="1" i="0" dirty="0" smtClean="0"/>
+            <a:rPr lang="es-ES" sz="1600" b="1" i="0" dirty="0" smtClean="0">
+              <a:solidFill>
+                <a:schemeClr val="tx1"/>
+              </a:solidFill>
+            </a:rPr>
             <a:t> </a:t>
           </a:r>
           <a:r>
-            <a:rPr lang="es-ES" sz="1600" b="1" i="0" dirty="0" err="1" smtClean="0"/>
+            <a:rPr lang="es-ES" sz="1600" b="1" i="0" dirty="0" err="1" smtClean="0">
+              <a:solidFill>
+                <a:schemeClr val="tx1"/>
+              </a:solidFill>
+            </a:rPr>
             <a:t>Interactive</a:t>
           </a:r>
           <a:r>
-            <a:rPr lang="es-ES" sz="1600" b="0" i="0" dirty="0" smtClean="0"/>
+            <a:rPr lang="es-ES" sz="1600" b="0" i="0" dirty="0" smtClean="0">
+              <a:solidFill>
+                <a:schemeClr val="tx1"/>
+              </a:solidFill>
+            </a:rPr>
             <a:t>, reflejando la mayor importancia del servicio sobre Justin.tv en el negocio de la compañía.</a:t>
           </a:r>
-          <a:endParaRPr lang="es-ES" sz="1600" dirty="0"/>
+          <a:endParaRPr lang="es-ES" sz="1600" dirty="0">
+            <a:solidFill>
+              <a:schemeClr val="tx1"/>
+            </a:solidFill>
+          </a:endParaRPr>
         </a:p>
       </dgm:t>
     </dgm:pt>
@@ -1141,18 +1189,34 @@
         <a:lstStyle/>
         <a:p>
           <a:r>
-            <a:rPr lang="es-ES" sz="1600" b="0" i="0" dirty="0" smtClean="0"/>
+            <a:rPr lang="es-ES" sz="1600" b="0" i="0" dirty="0" smtClean="0">
+              <a:solidFill>
+                <a:schemeClr val="tx1"/>
+              </a:solidFill>
+            </a:rPr>
             <a:t>El 5 de agosto del 2014, el sitio original de Justin.tv fue cerrado abruptamente, declarando que todos los recursos debían ser enfocados en su totalidad a </a:t>
           </a:r>
           <a:r>
-            <a:rPr lang="es-ES" sz="1600" b="0" i="0" dirty="0" err="1" smtClean="0"/>
+            <a:rPr lang="es-ES" sz="1600" b="0" i="0" dirty="0" err="1" smtClean="0">
+              <a:solidFill>
+                <a:schemeClr val="tx1"/>
+              </a:solidFill>
+            </a:rPr>
             <a:t>Twitch</a:t>
           </a:r>
           <a:r>
-            <a:rPr lang="es-ES" sz="1600" b="0" i="0" dirty="0" smtClean="0"/>
+            <a:rPr lang="es-ES" sz="1600" b="0" i="0" dirty="0" smtClean="0">
+              <a:solidFill>
+                <a:schemeClr val="tx1"/>
+              </a:solidFill>
+            </a:rPr>
             <a:t>.</a:t>
           </a:r>
-          <a:endParaRPr lang="es-ES" sz="1600" dirty="0"/>
+          <a:endParaRPr lang="es-ES" sz="1600" dirty="0">
+            <a:solidFill>
+              <a:schemeClr val="tx1"/>
+            </a:solidFill>
+          </a:endParaRPr>
         </a:p>
       </dgm:t>
     </dgm:pt>
@@ -1186,36 +1250,67 @@
         <a:lstStyle/>
         <a:p>
           <a:r>
-            <a:rPr lang="es-ES" sz="1400" b="0" i="0" dirty="0" smtClean="0"/>
+            <a:rPr lang="es-ES" sz="1400" b="0" i="0" dirty="0" smtClean="0">
+              <a:solidFill>
+                <a:schemeClr val="tx1"/>
+              </a:solidFill>
+            </a:rPr>
             <a:t>El 25 de agosto del 2014, fue anunciado que </a:t>
           </a:r>
           <a:r>
             <a:rPr lang="es-ES" sz="1400" b="0" i="0" dirty="0" smtClean="0">
+              <a:solidFill>
+                <a:schemeClr val="tx1"/>
+              </a:solidFill>
               <a:hlinkClick xmlns:r="http://schemas.openxmlformats.org/officeDocument/2006/relationships" r:id="rId1" tooltip="Amazon.com"/>
             </a:rPr>
             <a:t>Amazon.com</a:t>
           </a:r>
           <a:r>
-            <a:rPr lang="es-ES" sz="1400" b="0" i="0" dirty="0" smtClean="0"/>
+            <a:rPr lang="es-ES" sz="1400" b="0" i="0" dirty="0" smtClean="0">
+              <a:solidFill>
+                <a:schemeClr val="tx1"/>
+              </a:solidFill>
+            </a:rPr>
             <a:t> adquiriría </a:t>
           </a:r>
           <a:r>
-            <a:rPr lang="es-ES" sz="1400" b="0" i="0" dirty="0" err="1" smtClean="0"/>
+            <a:rPr lang="es-ES" sz="1400" b="0" i="0" dirty="0" err="1" smtClean="0">
+              <a:solidFill>
+                <a:schemeClr val="tx1"/>
+              </a:solidFill>
+            </a:rPr>
             <a:t>Twitch</a:t>
           </a:r>
           <a:r>
-            <a:rPr lang="es-ES" sz="1400" b="0" i="0" dirty="0" smtClean="0"/>
+            <a:rPr lang="es-ES" sz="1400" b="0" i="0" dirty="0" smtClean="0">
+              <a:solidFill>
+                <a:schemeClr val="tx1"/>
+              </a:solidFill>
+            </a:rPr>
             <a:t> </a:t>
           </a:r>
           <a:r>
-            <a:rPr lang="es-ES" sz="1400" b="0" i="0" dirty="0" err="1" smtClean="0"/>
+            <a:rPr lang="es-ES" sz="1400" b="0" i="0" dirty="0" err="1" smtClean="0">
+              <a:solidFill>
+                <a:schemeClr val="tx1"/>
+              </a:solidFill>
+            </a:rPr>
             <a:t>interactive</a:t>
           </a:r>
           <a:r>
-            <a:rPr lang="es-ES" sz="1400" b="0" i="0" dirty="0" smtClean="0"/>
+            <a:rPr lang="es-ES" sz="1400" b="0" i="0" dirty="0" smtClean="0">
+              <a:solidFill>
+                <a:schemeClr val="tx1"/>
+              </a:solidFill>
+            </a:rPr>
             <a:t> por $970 millones.</a:t>
           </a:r>
-          <a:endParaRPr lang="es-ES" sz="1400" dirty="0"/>
+          <a:endParaRPr lang="es-ES" sz="1400" dirty="0">
+            <a:solidFill>
+              <a:schemeClr val="tx1"/>
+            </a:solidFill>
+          </a:endParaRPr>
         </a:p>
       </dgm:t>
     </dgm:pt>
@@ -1460,6 +1555,719 @@
       <dsp:cNvGrpSpPr/>
     </dsp:nvGrpSpPr>
     <dsp:grpSpPr/>
+    <dsp:sp modelId="{6CED64CE-46C1-41C8-BC6B-5D253162FA15}">
+      <dsp:nvSpPr>
+        <dsp:cNvPr id="0" name=""/>
+        <dsp:cNvSpPr/>
+      </dsp:nvSpPr>
+      <dsp:spPr>
+        <a:xfrm>
+          <a:off x="8484" y="664839"/>
+          <a:ext cx="2850158" cy="1140063"/>
+        </a:xfrm>
+        <a:prstGeom prst="chevron">
+          <a:avLst/>
+        </a:prstGeom>
+        <a:solidFill>
+          <a:schemeClr val="accent1">
+            <a:hueOff val="0"/>
+            <a:satOff val="0"/>
+            <a:lumOff val="0"/>
+            <a:alphaOff val="0"/>
+          </a:schemeClr>
+        </a:solidFill>
+        <a:ln w="15875" cap="flat" cmpd="sng" algn="ctr">
+          <a:solidFill>
+            <a:schemeClr val="lt1">
+              <a:hueOff val="0"/>
+              <a:satOff val="0"/>
+              <a:lumOff val="0"/>
+              <a:alphaOff val="0"/>
+            </a:schemeClr>
+          </a:solidFill>
+          <a:prstDash val="solid"/>
+        </a:ln>
+        <a:effectLst/>
+      </dsp:spPr>
+      <dsp:style>
+        <a:lnRef idx="2">
+          <a:scrgbClr r="0" g="0" b="0"/>
+        </a:lnRef>
+        <a:fillRef idx="1">
+          <a:scrgbClr r="0" g="0" b="0"/>
+        </a:fillRef>
+        <a:effectRef idx="0">
+          <a:scrgbClr r="0" g="0" b="0"/>
+        </a:effectRef>
+        <a:fontRef idx="minor">
+          <a:schemeClr val="lt1"/>
+        </a:fontRef>
+      </dsp:style>
+      <dsp:txBody>
+        <a:bodyPr spcFirstLastPara="0" vert="horz" wrap="square" lIns="96012" tIns="32004" rIns="32004" bIns="32004" numCol="1" spcCol="1270" anchor="ctr" anchorCtr="0">
+          <a:noAutofit/>
+        </a:bodyPr>
+        <a:lstStyle/>
+        <a:p>
+          <a:pPr lvl="0" algn="ctr" defTabSz="1066800">
+            <a:lnSpc>
+              <a:spcPct val="90000"/>
+            </a:lnSpc>
+            <a:spcBef>
+              <a:spcPct val="0"/>
+            </a:spcBef>
+            <a:spcAft>
+              <a:spcPct val="35000"/>
+            </a:spcAft>
+          </a:pPr>
+          <a:r>
+            <a:rPr lang="es-ES" sz="2400" kern="1200" dirty="0" smtClean="0"/>
+            <a:t>Lanzamiento</a:t>
+          </a:r>
+          <a:endParaRPr lang="es-ES" sz="2400" kern="1200" dirty="0"/>
+        </a:p>
+      </dsp:txBody>
+      <dsp:txXfrm>
+        <a:off x="578516" y="664839"/>
+        <a:ext cx="1710095" cy="1140063"/>
+      </dsp:txXfrm>
+    </dsp:sp>
+    <dsp:sp modelId="{9F28546B-BF75-40DE-91F9-836AFA2AF4FD}">
+      <dsp:nvSpPr>
+        <dsp:cNvPr id="0" name=""/>
+        <dsp:cNvSpPr/>
+      </dsp:nvSpPr>
+      <dsp:spPr>
+        <a:xfrm>
+          <a:off x="8484" y="1947410"/>
+          <a:ext cx="2280126" cy="2037023"/>
+        </a:xfrm>
+        <a:prstGeom prst="rect">
+          <a:avLst/>
+        </a:prstGeom>
+        <a:noFill/>
+        <a:ln>
+          <a:noFill/>
+        </a:ln>
+        <a:effectLst/>
+      </dsp:spPr>
+      <dsp:style>
+        <a:lnRef idx="0">
+          <a:scrgbClr r="0" g="0" b="0"/>
+        </a:lnRef>
+        <a:fillRef idx="0">
+          <a:scrgbClr r="0" g="0" b="0"/>
+        </a:fillRef>
+        <a:effectRef idx="0">
+          <a:scrgbClr r="0" g="0" b="0"/>
+        </a:effectRef>
+        <a:fontRef idx="minor"/>
+      </dsp:style>
+      <dsp:txBody>
+        <a:bodyPr spcFirstLastPara="0" vert="horz" wrap="square" lIns="0" tIns="0" rIns="0" bIns="0" numCol="1" spcCol="1270" anchor="t" anchorCtr="0">
+          <a:noAutofit/>
+        </a:bodyPr>
+        <a:lstStyle/>
+        <a:p>
+          <a:pPr marL="171450" lvl="1" indent="-171450" algn="ctr" defTabSz="711200">
+            <a:lnSpc>
+              <a:spcPct val="90000"/>
+            </a:lnSpc>
+            <a:spcBef>
+              <a:spcPct val="0"/>
+            </a:spcBef>
+            <a:spcAft>
+              <a:spcPct val="15000"/>
+            </a:spcAft>
+            <a:buChar char="••"/>
+          </a:pPr>
+          <a:r>
+            <a:rPr lang="es-ES" sz="1600" b="0" i="0" kern="1200" dirty="0" smtClean="0">
+              <a:solidFill>
+                <a:schemeClr val="tx1"/>
+              </a:solidFill>
+            </a:rPr>
+            <a:t>Fue lanzado oficialmente como un beta público el 6 de junio del 2011.​ Desde entonces, </a:t>
+          </a:r>
+          <a:r>
+            <a:rPr lang="es-ES" sz="1600" b="0" i="0" kern="1200" dirty="0" err="1" smtClean="0">
+              <a:solidFill>
+                <a:schemeClr val="tx1"/>
+              </a:solidFill>
+            </a:rPr>
+            <a:t>Twitch</a:t>
+          </a:r>
+          <a:r>
+            <a:rPr lang="es-ES" sz="1600" b="0" i="0" kern="1200" dirty="0" smtClean="0">
+              <a:solidFill>
+                <a:schemeClr val="tx1"/>
+              </a:solidFill>
+            </a:rPr>
+            <a:t> ha atraído a más de 35 millones de visitantes por mes.</a:t>
+          </a:r>
+          <a:endParaRPr lang="es-ES" sz="1600" kern="1200" dirty="0">
+            <a:solidFill>
+              <a:schemeClr val="tx1"/>
+            </a:solidFill>
+          </a:endParaRPr>
+        </a:p>
+      </dsp:txBody>
+      <dsp:txXfrm>
+        <a:off x="8484" y="1947410"/>
+        <a:ext cx="2280126" cy="2037023"/>
+      </dsp:txXfrm>
+    </dsp:sp>
+    <dsp:sp modelId="{6BF2E05C-43AC-4287-94B9-EF66C59E1E4D}">
+      <dsp:nvSpPr>
+        <dsp:cNvPr id="0" name=""/>
+        <dsp:cNvSpPr/>
+      </dsp:nvSpPr>
+      <dsp:spPr>
+        <a:xfrm>
+          <a:off x="2642642" y="664839"/>
+          <a:ext cx="2850158" cy="1140063"/>
+        </a:xfrm>
+        <a:prstGeom prst="chevron">
+          <a:avLst/>
+        </a:prstGeom>
+        <a:solidFill>
+          <a:schemeClr val="accent1">
+            <a:hueOff val="0"/>
+            <a:satOff val="0"/>
+            <a:lumOff val="0"/>
+            <a:alphaOff val="0"/>
+          </a:schemeClr>
+        </a:solidFill>
+        <a:ln w="15875" cap="flat" cmpd="sng" algn="ctr">
+          <a:solidFill>
+            <a:schemeClr val="lt1">
+              <a:hueOff val="0"/>
+              <a:satOff val="0"/>
+              <a:lumOff val="0"/>
+              <a:alphaOff val="0"/>
+            </a:schemeClr>
+          </a:solidFill>
+          <a:prstDash val="solid"/>
+        </a:ln>
+        <a:effectLst/>
+      </dsp:spPr>
+      <dsp:style>
+        <a:lnRef idx="2">
+          <a:scrgbClr r="0" g="0" b="0"/>
+        </a:lnRef>
+        <a:fillRef idx="1">
+          <a:scrgbClr r="0" g="0" b="0"/>
+        </a:fillRef>
+        <a:effectRef idx="0">
+          <a:scrgbClr r="0" g="0" b="0"/>
+        </a:effectRef>
+        <a:fontRef idx="minor">
+          <a:schemeClr val="lt1"/>
+        </a:fontRef>
+      </dsp:style>
+      <dsp:txBody>
+        <a:bodyPr spcFirstLastPara="0" vert="horz" wrap="square" lIns="96012" tIns="32004" rIns="32004" bIns="32004" numCol="1" spcCol="1270" anchor="ctr" anchorCtr="0">
+          <a:noAutofit/>
+        </a:bodyPr>
+        <a:lstStyle/>
+        <a:p>
+          <a:pPr lvl="0" algn="ctr" defTabSz="1066800">
+            <a:lnSpc>
+              <a:spcPct val="90000"/>
+            </a:lnSpc>
+            <a:spcBef>
+              <a:spcPct val="0"/>
+            </a:spcBef>
+            <a:spcAft>
+              <a:spcPct val="35000"/>
+            </a:spcAft>
+          </a:pPr>
+          <a:r>
+            <a:rPr lang="es-ES" sz="2400" kern="1200" dirty="0" smtClean="0"/>
+            <a:t>Cambios</a:t>
+          </a:r>
+          <a:endParaRPr lang="es-ES" sz="2400" kern="1200" dirty="0"/>
+        </a:p>
+      </dsp:txBody>
+      <dsp:txXfrm>
+        <a:off x="3212674" y="664839"/>
+        <a:ext cx="1710095" cy="1140063"/>
+      </dsp:txXfrm>
+    </dsp:sp>
+    <dsp:sp modelId="{C2C65E47-BB27-4843-B1DF-4D48BB192137}">
+      <dsp:nvSpPr>
+        <dsp:cNvPr id="0" name=""/>
+        <dsp:cNvSpPr/>
+      </dsp:nvSpPr>
+      <dsp:spPr>
+        <a:xfrm>
+          <a:off x="2642642" y="1947410"/>
+          <a:ext cx="2280126" cy="2037023"/>
+        </a:xfrm>
+        <a:prstGeom prst="rect">
+          <a:avLst/>
+        </a:prstGeom>
+        <a:noFill/>
+        <a:ln>
+          <a:noFill/>
+        </a:ln>
+        <a:effectLst/>
+      </dsp:spPr>
+      <dsp:style>
+        <a:lnRef idx="0">
+          <a:scrgbClr r="0" g="0" b="0"/>
+        </a:lnRef>
+        <a:fillRef idx="0">
+          <a:scrgbClr r="0" g="0" b="0"/>
+        </a:fillRef>
+        <a:effectRef idx="0">
+          <a:scrgbClr r="0" g="0" b="0"/>
+        </a:effectRef>
+        <a:fontRef idx="minor"/>
+      </dsp:style>
+      <dsp:txBody>
+        <a:bodyPr spcFirstLastPara="0" vert="horz" wrap="square" lIns="0" tIns="0" rIns="0" bIns="0" numCol="1" spcCol="1270" anchor="t" anchorCtr="0">
+          <a:noAutofit/>
+        </a:bodyPr>
+        <a:lstStyle/>
+        <a:p>
+          <a:pPr marL="171450" lvl="1" indent="-171450" algn="l" defTabSz="711200">
+            <a:lnSpc>
+              <a:spcPct val="90000"/>
+            </a:lnSpc>
+            <a:spcBef>
+              <a:spcPct val="0"/>
+            </a:spcBef>
+            <a:spcAft>
+              <a:spcPct val="15000"/>
+            </a:spcAft>
+            <a:buChar char="••"/>
+          </a:pPr>
+          <a:r>
+            <a:rPr lang="es-ES" sz="1600" b="0" i="0" kern="1200" dirty="0" smtClean="0">
+              <a:solidFill>
+                <a:schemeClr val="tx1"/>
+              </a:solidFill>
+            </a:rPr>
+            <a:t>El 5 de agosto del 2014, el sitio original de Justin.tv fue cerrado abruptamente, declarando que todos los recursos debían ser enfocados en su totalidad a </a:t>
+          </a:r>
+          <a:r>
+            <a:rPr lang="es-ES" sz="1600" b="0" i="0" kern="1200" dirty="0" err="1" smtClean="0">
+              <a:solidFill>
+                <a:schemeClr val="tx1"/>
+              </a:solidFill>
+            </a:rPr>
+            <a:t>Twitch</a:t>
+          </a:r>
+          <a:r>
+            <a:rPr lang="es-ES" sz="1600" b="0" i="0" kern="1200" dirty="0" smtClean="0">
+              <a:solidFill>
+                <a:schemeClr val="tx1"/>
+              </a:solidFill>
+            </a:rPr>
+            <a:t>.</a:t>
+          </a:r>
+          <a:endParaRPr lang="es-ES" sz="1600" kern="1200" dirty="0">
+            <a:solidFill>
+              <a:schemeClr val="tx1"/>
+            </a:solidFill>
+          </a:endParaRPr>
+        </a:p>
+      </dsp:txBody>
+      <dsp:txXfrm>
+        <a:off x="2642642" y="1947410"/>
+        <a:ext cx="2280126" cy="2037023"/>
+      </dsp:txXfrm>
+    </dsp:sp>
+    <dsp:sp modelId="{FCFE1A8E-729B-4876-888F-31AD1DB7D41B}">
+      <dsp:nvSpPr>
+        <dsp:cNvPr id="0" name=""/>
+        <dsp:cNvSpPr/>
+      </dsp:nvSpPr>
+      <dsp:spPr>
+        <a:xfrm>
+          <a:off x="5276800" y="664839"/>
+          <a:ext cx="2850158" cy="1140063"/>
+        </a:xfrm>
+        <a:prstGeom prst="chevron">
+          <a:avLst/>
+        </a:prstGeom>
+        <a:solidFill>
+          <a:schemeClr val="accent1">
+            <a:hueOff val="0"/>
+            <a:satOff val="0"/>
+            <a:lumOff val="0"/>
+            <a:alphaOff val="0"/>
+          </a:schemeClr>
+        </a:solidFill>
+        <a:ln w="15875" cap="flat" cmpd="sng" algn="ctr">
+          <a:solidFill>
+            <a:schemeClr val="lt1">
+              <a:hueOff val="0"/>
+              <a:satOff val="0"/>
+              <a:lumOff val="0"/>
+              <a:alphaOff val="0"/>
+            </a:schemeClr>
+          </a:solidFill>
+          <a:prstDash val="solid"/>
+        </a:ln>
+        <a:effectLst/>
+      </dsp:spPr>
+      <dsp:style>
+        <a:lnRef idx="2">
+          <a:scrgbClr r="0" g="0" b="0"/>
+        </a:lnRef>
+        <a:fillRef idx="1">
+          <a:scrgbClr r="0" g="0" b="0"/>
+        </a:fillRef>
+        <a:effectRef idx="0">
+          <a:scrgbClr r="0" g="0" b="0"/>
+        </a:effectRef>
+        <a:fontRef idx="minor">
+          <a:schemeClr val="lt1"/>
+        </a:fontRef>
+      </dsp:style>
+      <dsp:txBody>
+        <a:bodyPr spcFirstLastPara="0" vert="horz" wrap="square" lIns="96012" tIns="32004" rIns="32004" bIns="32004" numCol="1" spcCol="1270" anchor="ctr" anchorCtr="0">
+          <a:noAutofit/>
+        </a:bodyPr>
+        <a:lstStyle/>
+        <a:p>
+          <a:pPr lvl="0" algn="ctr" defTabSz="1066800">
+            <a:lnSpc>
+              <a:spcPct val="90000"/>
+            </a:lnSpc>
+            <a:spcBef>
+              <a:spcPct val="0"/>
+            </a:spcBef>
+            <a:spcAft>
+              <a:spcPct val="35000"/>
+            </a:spcAft>
+          </a:pPr>
+          <a:r>
+            <a:rPr lang="es-ES" sz="2400" kern="1200" dirty="0" smtClean="0"/>
+            <a:t>Crecimiento</a:t>
+          </a:r>
+          <a:endParaRPr lang="es-ES" sz="2400" kern="1200" dirty="0"/>
+        </a:p>
+      </dsp:txBody>
+      <dsp:txXfrm>
+        <a:off x="5846832" y="664839"/>
+        <a:ext cx="1710095" cy="1140063"/>
+      </dsp:txXfrm>
+    </dsp:sp>
+    <dsp:sp modelId="{780009B1-7C5B-4C4A-88FE-A473FC69F0F4}">
+      <dsp:nvSpPr>
+        <dsp:cNvPr id="0" name=""/>
+        <dsp:cNvSpPr/>
+      </dsp:nvSpPr>
+      <dsp:spPr>
+        <a:xfrm>
+          <a:off x="5276800" y="1947410"/>
+          <a:ext cx="2280126" cy="2037023"/>
+        </a:xfrm>
+        <a:prstGeom prst="rect">
+          <a:avLst/>
+        </a:prstGeom>
+        <a:noFill/>
+        <a:ln>
+          <a:noFill/>
+        </a:ln>
+        <a:effectLst/>
+      </dsp:spPr>
+      <dsp:style>
+        <a:lnRef idx="0">
+          <a:scrgbClr r="0" g="0" b="0"/>
+        </a:lnRef>
+        <a:fillRef idx="0">
+          <a:scrgbClr r="0" g="0" b="0"/>
+        </a:fillRef>
+        <a:effectRef idx="0">
+          <a:scrgbClr r="0" g="0" b="0"/>
+        </a:effectRef>
+        <a:fontRef idx="minor"/>
+      </dsp:style>
+      <dsp:txBody>
+        <a:bodyPr spcFirstLastPara="0" vert="horz" wrap="square" lIns="0" tIns="0" rIns="0" bIns="0" numCol="1" spcCol="1270" anchor="t" anchorCtr="0">
+          <a:noAutofit/>
+        </a:bodyPr>
+        <a:lstStyle/>
+        <a:p>
+          <a:pPr marL="171450" lvl="1" indent="-171450" algn="l" defTabSz="711200">
+            <a:lnSpc>
+              <a:spcPct val="90000"/>
+            </a:lnSpc>
+            <a:spcBef>
+              <a:spcPct val="0"/>
+            </a:spcBef>
+            <a:spcAft>
+              <a:spcPct val="15000"/>
+            </a:spcAft>
+            <a:buChar char="••"/>
+          </a:pPr>
+          <a:r>
+            <a:rPr lang="es-ES" sz="1600" b="0" i="0" kern="1200" dirty="0" smtClean="0">
+              <a:solidFill>
+                <a:schemeClr val="tx1"/>
+              </a:solidFill>
+            </a:rPr>
+            <a:t>El 10 de febrero del 2014, la compañía matriz de </a:t>
+          </a:r>
+          <a:r>
+            <a:rPr lang="es-ES" sz="1600" b="0" i="0" kern="1200" dirty="0" err="1" smtClean="0">
+              <a:solidFill>
+                <a:schemeClr val="tx1"/>
+              </a:solidFill>
+            </a:rPr>
+            <a:t>Twitch</a:t>
+          </a:r>
+          <a:r>
+            <a:rPr lang="es-ES" sz="1600" b="0" i="0" kern="1200" dirty="0" smtClean="0">
+              <a:solidFill>
+                <a:schemeClr val="tx1"/>
+              </a:solidFill>
+            </a:rPr>
+            <a:t>; Justin.tv, Inc. fue renombrada como </a:t>
+          </a:r>
+          <a:r>
+            <a:rPr lang="es-ES" sz="1600" b="1" i="0" kern="1200" dirty="0" err="1" smtClean="0">
+              <a:solidFill>
+                <a:schemeClr val="tx1"/>
+              </a:solidFill>
+            </a:rPr>
+            <a:t>Twitch</a:t>
+          </a:r>
+          <a:r>
+            <a:rPr lang="es-ES" sz="1600" b="1" i="0" kern="1200" dirty="0" smtClean="0">
+              <a:solidFill>
+                <a:schemeClr val="tx1"/>
+              </a:solidFill>
+            </a:rPr>
+            <a:t> </a:t>
+          </a:r>
+          <a:r>
+            <a:rPr lang="es-ES" sz="1600" b="1" i="0" kern="1200" dirty="0" err="1" smtClean="0">
+              <a:solidFill>
+                <a:schemeClr val="tx1"/>
+              </a:solidFill>
+            </a:rPr>
+            <a:t>Interactive</a:t>
+          </a:r>
+          <a:r>
+            <a:rPr lang="es-ES" sz="1600" b="0" i="0" kern="1200" dirty="0" smtClean="0">
+              <a:solidFill>
+                <a:schemeClr val="tx1"/>
+              </a:solidFill>
+            </a:rPr>
+            <a:t>, reflejando la mayor importancia del servicio sobre Justin.tv en el negocio de la compañía.</a:t>
+          </a:r>
+          <a:endParaRPr lang="es-ES" sz="1600" kern="1200" dirty="0">
+            <a:solidFill>
+              <a:schemeClr val="tx1"/>
+            </a:solidFill>
+          </a:endParaRPr>
+        </a:p>
+      </dsp:txBody>
+      <dsp:txXfrm>
+        <a:off x="5276800" y="1947410"/>
+        <a:ext cx="2280126" cy="2037023"/>
+      </dsp:txXfrm>
+    </dsp:sp>
+    <dsp:sp modelId="{39BD8A70-81D0-4C9F-9F16-C221F134A15A}">
+      <dsp:nvSpPr>
+        <dsp:cNvPr id="0" name=""/>
+        <dsp:cNvSpPr/>
+      </dsp:nvSpPr>
+      <dsp:spPr>
+        <a:xfrm>
+          <a:off x="7910958" y="664839"/>
+          <a:ext cx="2850158" cy="1140063"/>
+        </a:xfrm>
+        <a:prstGeom prst="chevron">
+          <a:avLst/>
+        </a:prstGeom>
+        <a:solidFill>
+          <a:schemeClr val="accent1">
+            <a:hueOff val="0"/>
+            <a:satOff val="0"/>
+            <a:lumOff val="0"/>
+            <a:alphaOff val="0"/>
+          </a:schemeClr>
+        </a:solidFill>
+        <a:ln w="15875" cap="flat" cmpd="sng" algn="ctr">
+          <a:solidFill>
+            <a:schemeClr val="lt1">
+              <a:hueOff val="0"/>
+              <a:satOff val="0"/>
+              <a:lumOff val="0"/>
+              <a:alphaOff val="0"/>
+            </a:schemeClr>
+          </a:solidFill>
+          <a:prstDash val="solid"/>
+        </a:ln>
+        <a:effectLst/>
+      </dsp:spPr>
+      <dsp:style>
+        <a:lnRef idx="2">
+          <a:scrgbClr r="0" g="0" b="0"/>
+        </a:lnRef>
+        <a:fillRef idx="1">
+          <a:scrgbClr r="0" g="0" b="0"/>
+        </a:fillRef>
+        <a:effectRef idx="0">
+          <a:scrgbClr r="0" g="0" b="0"/>
+        </a:effectRef>
+        <a:fontRef idx="minor">
+          <a:schemeClr val="lt1"/>
+        </a:fontRef>
+      </dsp:style>
+      <dsp:txBody>
+        <a:bodyPr spcFirstLastPara="0" vert="horz" wrap="square" lIns="96012" tIns="32004" rIns="32004" bIns="32004" numCol="1" spcCol="1270" anchor="ctr" anchorCtr="0">
+          <a:noAutofit/>
+        </a:bodyPr>
+        <a:lstStyle/>
+        <a:p>
+          <a:pPr lvl="0" algn="ctr" defTabSz="1066800">
+            <a:lnSpc>
+              <a:spcPct val="90000"/>
+            </a:lnSpc>
+            <a:spcBef>
+              <a:spcPct val="0"/>
+            </a:spcBef>
+            <a:spcAft>
+              <a:spcPct val="35000"/>
+            </a:spcAft>
+          </a:pPr>
+          <a:r>
+            <a:rPr lang="es-ES" sz="2400" kern="1200" dirty="0" smtClean="0"/>
+            <a:t>Adquisición de Amazon</a:t>
+          </a:r>
+          <a:endParaRPr lang="es-ES" sz="2400" kern="1200" dirty="0"/>
+        </a:p>
+      </dsp:txBody>
+      <dsp:txXfrm>
+        <a:off x="8480990" y="664839"/>
+        <a:ext cx="1710095" cy="1140063"/>
+      </dsp:txXfrm>
+    </dsp:sp>
+    <dsp:sp modelId="{4D5FC19A-4883-4F8B-8DEB-B98F5A1BD79D}">
+      <dsp:nvSpPr>
+        <dsp:cNvPr id="0" name=""/>
+        <dsp:cNvSpPr/>
+      </dsp:nvSpPr>
+      <dsp:spPr>
+        <a:xfrm>
+          <a:off x="7910958" y="1947410"/>
+          <a:ext cx="2280126" cy="2037023"/>
+        </a:xfrm>
+        <a:prstGeom prst="rect">
+          <a:avLst/>
+        </a:prstGeom>
+        <a:noFill/>
+        <a:ln>
+          <a:noFill/>
+        </a:ln>
+        <a:effectLst/>
+      </dsp:spPr>
+      <dsp:style>
+        <a:lnRef idx="0">
+          <a:scrgbClr r="0" g="0" b="0"/>
+        </a:lnRef>
+        <a:fillRef idx="0">
+          <a:scrgbClr r="0" g="0" b="0"/>
+        </a:fillRef>
+        <a:effectRef idx="0">
+          <a:scrgbClr r="0" g="0" b="0"/>
+        </a:effectRef>
+        <a:fontRef idx="minor"/>
+      </dsp:style>
+      <dsp:txBody>
+        <a:bodyPr spcFirstLastPara="0" vert="horz" wrap="square" lIns="0" tIns="0" rIns="0" bIns="0" numCol="1" spcCol="1270" anchor="t" anchorCtr="0">
+          <a:noAutofit/>
+        </a:bodyPr>
+        <a:lstStyle/>
+        <a:p>
+          <a:pPr marL="114300" lvl="1" indent="-114300" algn="l" defTabSz="622300">
+            <a:lnSpc>
+              <a:spcPct val="90000"/>
+            </a:lnSpc>
+            <a:spcBef>
+              <a:spcPct val="0"/>
+            </a:spcBef>
+            <a:spcAft>
+              <a:spcPct val="15000"/>
+            </a:spcAft>
+            <a:buChar char="••"/>
+          </a:pPr>
+          <a:r>
+            <a:rPr lang="es-ES" sz="1400" b="0" i="0" kern="1200" dirty="0" smtClean="0">
+              <a:solidFill>
+                <a:schemeClr val="tx1"/>
+              </a:solidFill>
+            </a:rPr>
+            <a:t>El 25 de agosto del 2014, fue anunciado que </a:t>
+          </a:r>
+          <a:r>
+            <a:rPr lang="es-ES" sz="1400" b="0" i="0" kern="1200" dirty="0" smtClean="0">
+              <a:solidFill>
+                <a:schemeClr val="tx1"/>
+              </a:solidFill>
+              <a:hlinkClick xmlns:r="http://schemas.openxmlformats.org/officeDocument/2006/relationships" r:id="rId1" tooltip="Amazon.com"/>
+            </a:rPr>
+            <a:t>Amazon.com</a:t>
+          </a:r>
+          <a:r>
+            <a:rPr lang="es-ES" sz="1400" b="0" i="0" kern="1200" dirty="0" smtClean="0">
+              <a:solidFill>
+                <a:schemeClr val="tx1"/>
+              </a:solidFill>
+            </a:rPr>
+            <a:t> adquiriría </a:t>
+          </a:r>
+          <a:r>
+            <a:rPr lang="es-ES" sz="1400" b="0" i="0" kern="1200" dirty="0" err="1" smtClean="0">
+              <a:solidFill>
+                <a:schemeClr val="tx1"/>
+              </a:solidFill>
+            </a:rPr>
+            <a:t>Twitch</a:t>
+          </a:r>
+          <a:r>
+            <a:rPr lang="es-ES" sz="1400" b="0" i="0" kern="1200" dirty="0" smtClean="0">
+              <a:solidFill>
+                <a:schemeClr val="tx1"/>
+              </a:solidFill>
+            </a:rPr>
+            <a:t> </a:t>
+          </a:r>
+          <a:r>
+            <a:rPr lang="es-ES" sz="1400" b="0" i="0" kern="1200" dirty="0" err="1" smtClean="0">
+              <a:solidFill>
+                <a:schemeClr val="tx1"/>
+              </a:solidFill>
+            </a:rPr>
+            <a:t>interactive</a:t>
+          </a:r>
+          <a:r>
+            <a:rPr lang="es-ES" sz="1400" b="0" i="0" kern="1200" dirty="0" smtClean="0">
+              <a:solidFill>
+                <a:schemeClr val="tx1"/>
+              </a:solidFill>
+            </a:rPr>
+            <a:t> por $970 millones.</a:t>
+          </a:r>
+          <a:endParaRPr lang="es-ES" sz="1400" kern="1200" dirty="0">
+            <a:solidFill>
+              <a:schemeClr val="tx1"/>
+            </a:solidFill>
+          </a:endParaRPr>
+        </a:p>
+      </dsp:txBody>
+      <dsp:txXfrm>
+        <a:off x="7910958" y="1947410"/>
+        <a:ext cx="2280126" cy="2037023"/>
+      </dsp:txXfrm>
+    </dsp:sp>
   </dsp:spTree>
 </dsp:drawing>
 </file>
@@ -3007,7 +3815,7 @@
           <a:p>
             <a:fld id="{4BDF68E2-58F2-4D09-BE8B-E3BD06533059}" type="datetimeFigureOut">
               <a:rPr lang="en-US" smtClean="0"/>
-              <a:t>10/24/2018</a:t>
+              <a:t>10/25/2018</a:t>
             </a:fld>
             <a:endParaRPr lang="en-US" dirty="0"/>
           </a:p>
@@ -3215,7 +4023,7 @@
           <a:p>
             <a:fld id="{2E2D6473-DF6D-4702-B328-E0DD40540A4E}" type="datetimeFigureOut">
               <a:rPr lang="en-US" smtClean="0"/>
-              <a:t>10/24/2018</a:t>
+              <a:t>10/25/2018</a:t>
             </a:fld>
             <a:endParaRPr lang="en-US" dirty="0"/>
           </a:p>
@@ -3471,7 +4279,7 @@
           <a:p>
             <a:fld id="{E26F7E3A-B166-407D-9866-32884E7D5B37}" type="datetimeFigureOut">
               <a:rPr lang="en-US" smtClean="0"/>
-              <a:t>10/24/2018</a:t>
+              <a:t>10/25/2018</a:t>
             </a:fld>
             <a:endParaRPr lang="en-US" dirty="0"/>
           </a:p>
@@ -3641,7 +4449,7 @@
           <a:p>
             <a:fld id="{528FC5F6-F338-4AE4-BB23-26385BCFC423}" type="datetimeFigureOut">
               <a:rPr lang="en-US" smtClean="0"/>
-              <a:t>10/24/2018</a:t>
+              <a:t>10/25/2018</a:t>
             </a:fld>
             <a:endParaRPr lang="en-US" dirty="0"/>
           </a:p>
@@ -3984,7 +4792,7 @@
           <a:p>
             <a:fld id="{20EBB0C4-6273-4C6E-B9BD-2EDC30F1CD52}" type="datetimeFigureOut">
               <a:rPr lang="en-US" smtClean="0"/>
-              <a:t>10/24/2018</a:t>
+              <a:t>10/25/2018</a:t>
             </a:fld>
             <a:endParaRPr lang="en-US" dirty="0"/>
           </a:p>
@@ -4259,7 +5067,7 @@
           <a:p>
             <a:fld id="{19AB4D41-86C1-4908-B66A-0B50CEB3BF29}" type="datetimeFigureOut">
               <a:rPr lang="en-US" smtClean="0"/>
-              <a:t>10/24/2018</a:t>
+              <a:t>10/25/2018</a:t>
             </a:fld>
             <a:endParaRPr lang="en-US" dirty="0"/>
           </a:p>
@@ -4638,7 +5446,7 @@
           <a:p>
             <a:fld id="{E6426E2C-56C1-4E0D-A793-0088A7FDD37E}" type="datetimeFigureOut">
               <a:rPr lang="en-US" smtClean="0"/>
-              <a:t>10/24/2018</a:t>
+              <a:t>10/25/2018</a:t>
             </a:fld>
             <a:endParaRPr lang="en-US" dirty="0"/>
           </a:p>
@@ -4756,7 +5564,7 @@
           <a:p>
             <a:fld id="{C8C39B41-D8B5-4052-B551-9B5525EAA8B6}" type="datetimeFigureOut">
               <a:rPr lang="en-US" smtClean="0"/>
-              <a:t>10/24/2018</a:t>
+              <a:t>10/25/2018</a:t>
             </a:fld>
             <a:endParaRPr lang="en-US" dirty="0"/>
           </a:p>
@@ -4927,7 +5735,7 @@
           <a:p>
             <a:fld id="{4D94136C-8742-45B2-AF27-D93DF72833A9}" type="datetimeFigureOut">
               <a:rPr lang="en-US" smtClean="0"/>
-              <a:t>10/24/2018</a:t>
+              <a:t>10/25/2018</a:t>
             </a:fld>
             <a:endParaRPr lang="en-US" dirty="0"/>
           </a:p>
@@ -5282,7 +6090,7 @@
           <a:p>
             <a:fld id="{32ABBEA6-7C60-4B02-AE87-00D78D8422AF}" type="datetimeFigureOut">
               <a:rPr lang="en-US" smtClean="0"/>
-              <a:t>10/24/2018</a:t>
+              <a:t>10/25/2018</a:t>
             </a:fld>
             <a:endParaRPr lang="en-US" dirty="0"/>
           </a:p>
@@ -5660,7 +6468,7 @@
           <a:p>
             <a:fld id="{C9CAD897-D46E-4AD2-BD9B-49DD3E640873}" type="datetimeFigureOut">
               <a:rPr lang="en-US" smtClean="0"/>
-              <a:t>10/24/2018</a:t>
+              <a:t>10/25/2018</a:t>
             </a:fld>
             <a:endParaRPr lang="en-US" dirty="0"/>
           </a:p>
@@ -5947,7 +6755,7 @@
           <a:p>
             <a:fld id="{98624D31-43A5-475A-80CF-332C9F6DCF35}" type="datetimeFigureOut">
               <a:rPr lang="en-US" smtClean="0"/>
-              <a:t>10/24/2018</a:t>
+              <a:t>10/25/2018</a:t>
             </a:fld>
             <a:endParaRPr lang="en-US" dirty="0"/>
           </a:p>
@@ -6824,10 +7632,18 @@
           <a:lstStyle/>
           <a:p>
             <a:r>
-              <a:rPr lang="es-ES" b="1" dirty="0" smtClean="0"/>
+              <a:rPr lang="es-ES" b="1" dirty="0" smtClean="0">
+                <a:solidFill>
+                  <a:schemeClr val="tx1"/>
+                </a:solidFill>
+              </a:rPr>
               <a:t>Redes Multimedia</a:t>
             </a:r>
-            <a:endParaRPr lang="es-ES" b="1" dirty="0"/>
+            <a:endParaRPr lang="es-ES" b="1" dirty="0">
+              <a:solidFill>
+                <a:schemeClr val="tx1"/>
+              </a:solidFill>
+            </a:endParaRPr>
           </a:p>
         </p:txBody>
       </p:sp>
@@ -6853,14 +7669,26 @@
           <a:p>
             <a:pPr algn="ctr"/>
             <a:r>
-              <a:rPr lang="es-ES" dirty="0"/>
+              <a:rPr lang="es-ES" dirty="0">
+                <a:solidFill>
+                  <a:schemeClr val="tx1"/>
+                </a:solidFill>
+              </a:rPr>
               <a:t> La que transmite información utilizando para ello más de un medio de comunicación. Ejemplo: un documento que contiene texto e imágenes</a:t>
             </a:r>
             <a:br>
-              <a:rPr lang="es-ES" dirty="0"/>
+              <a:rPr lang="es-ES" dirty="0">
+                <a:solidFill>
+                  <a:schemeClr val="tx1"/>
+                </a:solidFill>
+              </a:rPr>
             </a:br>
             <a:r>
-              <a:rPr lang="es-ES" dirty="0"/>
+              <a:rPr lang="es-ES" dirty="0">
+                <a:solidFill>
+                  <a:schemeClr val="tx1"/>
+                </a:solidFill>
+              </a:rPr>
               <a:t> La red que transmite información de audio y/o vídeo en tiempo real (aunque solo se utilice uno de estos medios). Ejemplo: videoconferencia, telefonía por Internet</a:t>
             </a:r>
           </a:p>
@@ -6994,10 +7822,18 @@
           <a:lstStyle/>
           <a:p>
             <a:r>
-              <a:rPr lang="es-ES" b="1" dirty="0" err="1" smtClean="0"/>
+              <a:rPr lang="es-ES" b="1" dirty="0" err="1" smtClean="0">
+                <a:solidFill>
+                  <a:schemeClr val="tx1"/>
+                </a:solidFill>
+              </a:rPr>
               <a:t>Twitch</a:t>
             </a:r>
-            <a:endParaRPr lang="es-ES" b="1" dirty="0"/>
+            <a:endParaRPr lang="es-ES" b="1" dirty="0">
+              <a:solidFill>
+                <a:schemeClr val="tx1"/>
+              </a:solidFill>
+            </a:endParaRPr>
           </a:p>
         </p:txBody>
       </p:sp>
@@ -7023,27 +7859,51 @@
           <a:p>
             <a:pPr algn="ctr"/>
             <a:r>
-              <a:rPr lang="es-ES" dirty="0" err="1"/>
+              <a:rPr lang="es-ES" dirty="0" err="1">
+                <a:solidFill>
+                  <a:schemeClr val="tx1"/>
+                </a:solidFill>
+              </a:rPr>
               <a:t>Twitch</a:t>
             </a:r>
             <a:r>
-              <a:rPr lang="es-ES" dirty="0"/>
+              <a:rPr lang="es-ES" dirty="0">
+                <a:solidFill>
+                  <a:schemeClr val="tx1"/>
+                </a:solidFill>
+              </a:rPr>
               <a:t> (también conocido como Twitch.tv) Plataforma que ofrece un servicio de </a:t>
             </a:r>
             <a:r>
-              <a:rPr lang="es-ES" dirty="0" err="1" smtClean="0"/>
+              <a:rPr lang="es-ES" dirty="0" err="1" smtClean="0">
+                <a:solidFill>
+                  <a:schemeClr val="tx1"/>
+                </a:solidFill>
+              </a:rPr>
               <a:t>streaming</a:t>
             </a:r>
             <a:r>
-              <a:rPr lang="es-ES" dirty="0"/>
+              <a:rPr lang="es-ES" dirty="0">
+                <a:solidFill>
+                  <a:schemeClr val="tx1"/>
+                </a:solidFill>
+              </a:rPr>
               <a:t> de video en vivo propiedad de </a:t>
             </a:r>
             <a:r>
-              <a:rPr lang="es-ES" dirty="0" smtClean="0"/>
+              <a:rPr lang="es-ES" dirty="0" smtClean="0">
+                <a:solidFill>
+                  <a:schemeClr val="tx1"/>
+                </a:solidFill>
+              </a:rPr>
               <a:t>Amazon.com.</a:t>
             </a:r>
             <a:r>
-              <a:rPr lang="es-ES" dirty="0"/>
+              <a:rPr lang="es-ES" dirty="0">
+                <a:solidFill>
+                  <a:schemeClr val="tx1"/>
+                </a:solidFill>
+              </a:rPr>
               <a:t> </a:t>
             </a:r>
           </a:p>
@@ -7168,7 +8028,7 @@
           <p:nvPr>
             <p:extLst>
               <p:ext uri="{D42A27DB-BD31-4B8C-83A1-F6EECF244321}">
-                <p14:modId xmlns:p14="http://schemas.microsoft.com/office/powerpoint/2010/main" val="3585553534"/>
+                <p14:modId xmlns:p14="http://schemas.microsoft.com/office/powerpoint/2010/main" val="3574849898"/>
               </p:ext>
             </p:extLst>
           </p:nvPr>
@@ -7313,91 +8173,167 @@
           <a:p>
             <a:pPr algn="ctr"/>
             <a:r>
-              <a:rPr lang="es-ES" dirty="0" err="1"/>
+              <a:rPr lang="es-ES" dirty="0" err="1">
+                <a:solidFill>
+                  <a:schemeClr val="tx1"/>
+                </a:solidFill>
+              </a:rPr>
               <a:t>Twitch</a:t>
             </a:r>
             <a:r>
-              <a:rPr lang="es-ES" dirty="0"/>
+              <a:rPr lang="es-ES" dirty="0">
+                <a:solidFill>
+                  <a:schemeClr val="tx1"/>
+                </a:solidFill>
+              </a:rPr>
               <a:t> está diseñada como una plataforma para una cobertura de </a:t>
             </a:r>
             <a:r>
               <a:rPr lang="es-ES" dirty="0" err="1">
+                <a:solidFill>
+                  <a:schemeClr val="tx1"/>
+                </a:solidFill>
                 <a:hlinkClick r:id="rId2" tooltip="Electronic sports"/>
               </a:rPr>
               <a:t>electronic</a:t>
             </a:r>
             <a:r>
               <a:rPr lang="es-ES" dirty="0">
+                <a:solidFill>
+                  <a:schemeClr val="tx1"/>
+                </a:solidFill>
                 <a:hlinkClick r:id="rId2" tooltip="Electronic sports"/>
               </a:rPr>
               <a:t> </a:t>
             </a:r>
             <a:r>
               <a:rPr lang="es-ES" dirty="0" err="1">
+                <a:solidFill>
+                  <a:schemeClr val="tx1"/>
+                </a:solidFill>
                 <a:hlinkClick r:id="rId2" tooltip="Electronic sports"/>
               </a:rPr>
               <a:t>sports</a:t>
             </a:r>
             <a:r>
-              <a:rPr lang="es-ES" dirty="0"/>
+              <a:rPr lang="es-ES" dirty="0">
+                <a:solidFill>
+                  <a:schemeClr val="tx1"/>
+                </a:solidFill>
+              </a:rPr>
               <a:t> en tiempo real. Esto incluye una gran cobertura de torneos de e-</a:t>
             </a:r>
             <a:r>
-              <a:rPr lang="es-ES" dirty="0" err="1"/>
+              <a:rPr lang="es-ES" dirty="0" err="1">
+                <a:solidFill>
+                  <a:schemeClr val="tx1"/>
+                </a:solidFill>
+              </a:rPr>
               <a:t>sports</a:t>
             </a:r>
             <a:r>
-              <a:rPr lang="es-ES" dirty="0"/>
+              <a:rPr lang="es-ES" dirty="0">
+                <a:solidFill>
+                  <a:schemeClr val="tx1"/>
+                </a:solidFill>
+              </a:rPr>
               <a:t>, </a:t>
             </a:r>
             <a:r>
-              <a:rPr lang="es-ES" dirty="0" smtClean="0"/>
+              <a:rPr lang="es-ES" dirty="0" smtClean="0">
+                <a:solidFill>
+                  <a:schemeClr val="tx1"/>
+                </a:solidFill>
+              </a:rPr>
               <a:t> </a:t>
             </a:r>
             <a:r>
-              <a:rPr lang="es-ES" dirty="0" err="1" smtClean="0"/>
+              <a:rPr lang="es-ES" dirty="0" err="1" smtClean="0">
+                <a:solidFill>
+                  <a:schemeClr val="tx1"/>
+                </a:solidFill>
+              </a:rPr>
               <a:t>streams</a:t>
             </a:r>
             <a:r>
-              <a:rPr lang="es-ES" dirty="0" smtClean="0"/>
+              <a:rPr lang="es-ES" dirty="0" smtClean="0">
+                <a:solidFill>
+                  <a:schemeClr val="tx1"/>
+                </a:solidFill>
+              </a:rPr>
               <a:t> </a:t>
             </a:r>
             <a:r>
-              <a:rPr lang="es-ES" dirty="0"/>
+              <a:rPr lang="es-ES" dirty="0">
+                <a:solidFill>
+                  <a:schemeClr val="tx1"/>
+                </a:solidFill>
+              </a:rPr>
               <a:t>personales de jugadores individuales y shows que hablen de contenido relacionado a los </a:t>
             </a:r>
             <a:r>
-              <a:rPr lang="es-ES" dirty="0" err="1" smtClean="0"/>
+              <a:rPr lang="es-ES" dirty="0" err="1" smtClean="0">
+                <a:solidFill>
+                  <a:schemeClr val="tx1"/>
+                </a:solidFill>
+              </a:rPr>
               <a:t>juegos.Una</a:t>
             </a:r>
             <a:r>
-              <a:rPr lang="es-ES" dirty="0" smtClean="0"/>
+              <a:rPr lang="es-ES" dirty="0" smtClean="0">
+                <a:solidFill>
+                  <a:schemeClr val="tx1"/>
+                </a:solidFill>
+              </a:rPr>
               <a:t> </a:t>
             </a:r>
             <a:r>
-              <a:rPr lang="es-ES" dirty="0"/>
+              <a:rPr lang="es-ES" dirty="0">
+                <a:solidFill>
+                  <a:schemeClr val="tx1"/>
+                </a:solidFill>
+              </a:rPr>
               <a:t>gran variedad de canales hacen </a:t>
             </a:r>
             <a:r>
               <a:rPr lang="es-ES" dirty="0" err="1" smtClean="0">
+                <a:solidFill>
+                  <a:schemeClr val="tx1"/>
+                </a:solidFill>
                 <a:hlinkClick r:id="rId3" tooltip="Speedrun"/>
               </a:rPr>
               <a:t>Speedruns</a:t>
             </a:r>
             <a:r>
-              <a:rPr lang="es-ES" dirty="0" smtClean="0"/>
+              <a:rPr lang="es-ES" dirty="0" smtClean="0">
+                <a:solidFill>
+                  <a:schemeClr val="tx1"/>
+                </a:solidFill>
+              </a:rPr>
               <a:t>. La </a:t>
             </a:r>
             <a:r>
-              <a:rPr lang="es-ES" dirty="0"/>
+              <a:rPr lang="es-ES" dirty="0">
+                <a:solidFill>
+                  <a:schemeClr val="tx1"/>
+                </a:solidFill>
+              </a:rPr>
               <a:t>página principal de </a:t>
             </a:r>
             <a:r>
-              <a:rPr lang="es-ES" dirty="0" err="1"/>
+              <a:rPr lang="es-ES" dirty="0" err="1">
+                <a:solidFill>
+                  <a:schemeClr val="tx1"/>
+                </a:solidFill>
+              </a:rPr>
               <a:t>Twitch</a:t>
             </a:r>
             <a:r>
-              <a:rPr lang="es-ES" dirty="0"/>
+              <a:rPr lang="es-ES" dirty="0">
+                <a:solidFill>
+                  <a:schemeClr val="tx1"/>
+                </a:solidFill>
+              </a:rPr>
               <a:t> actualmente muestra juegos basados en su audiencia.</a:t>
             </a:r>
           </a:p>
@@ -7589,10 +8525,18 @@
           <a:p>
             <a:pPr algn="ctr"/>
             <a:r>
-              <a:rPr lang="es-ES" sz="4400" b="1" dirty="0" smtClean="0"/>
+              <a:rPr lang="es-ES" sz="4400" b="1" dirty="0" smtClean="0">
+                <a:solidFill>
+                  <a:schemeClr val="tx1"/>
+                </a:solidFill>
+              </a:rPr>
               <a:t>Configuración de OBS Studio para retransmisión</a:t>
             </a:r>
-            <a:endParaRPr lang="es-ES" sz="4400" b="1" dirty="0"/>
+            <a:endParaRPr lang="es-ES" sz="4400" b="1" dirty="0">
+              <a:solidFill>
+                <a:schemeClr val="tx1"/>
+              </a:solidFill>
+            </a:endParaRPr>
           </a:p>
         </p:txBody>
       </p:sp>
